--- a/slides/drafts/07-install-hadoop-on-centos7.pptx
+++ b/slides/drafts/07-install-hadoop-on-centos7.pptx
@@ -228,7 +228,7 @@
           <a:p>
             <a:fld id="{E639C04F-374B-4850-9B34-6834834DCD5E}" type="datetimeFigureOut">
               <a:rPr lang="ko-KR" altLang="en-US" smtClean="0"/>
-              <a:t>2020-11-28</a:t>
+              <a:t>2020-11-30</a:t>
             </a:fld>
             <a:endParaRPr lang="ko-KR" altLang="en-US"/>
           </a:p>
@@ -952,7 +952,7 @@
             <a:fld id="{B61BEF0D-F0BB-DE4B-95CE-6DB70DBA9567}" type="datetimeFigureOut">
               <a:rPr lang="en-US" dirty="0"/>
               <a:pPr/>
-              <a:t>11/28/2020</a:t>
+              <a:t>11/30/2020</a:t>
             </a:fld>
             <a:endParaRPr lang="en-US" dirty="0"/>
           </a:p>
@@ -1200,7 +1200,7 @@
             <a:fld id="{B61BEF0D-F0BB-DE4B-95CE-6DB70DBA9567}" type="datetimeFigureOut">
               <a:rPr lang="en-US" dirty="0"/>
               <a:pPr/>
-              <a:t>11/28/2020</a:t>
+              <a:t>11/30/2020</a:t>
             </a:fld>
             <a:endParaRPr lang="en-US" dirty="0"/>
           </a:p>
@@ -1511,7 +1511,7 @@
             <a:fld id="{B61BEF0D-F0BB-DE4B-95CE-6DB70DBA9567}" type="datetimeFigureOut">
               <a:rPr lang="en-US" dirty="0"/>
               <a:pPr/>
-              <a:t>11/28/2020</a:t>
+              <a:t>11/30/2020</a:t>
             </a:fld>
             <a:endParaRPr lang="en-US" dirty="0"/>
           </a:p>
@@ -1835,7 +1835,7 @@
             <a:fld id="{B61BEF0D-F0BB-DE4B-95CE-6DB70DBA9567}" type="datetimeFigureOut">
               <a:rPr lang="en-US" dirty="0"/>
               <a:pPr/>
-              <a:t>11/28/2020</a:t>
+              <a:t>11/30/2020</a:t>
             </a:fld>
             <a:endParaRPr lang="en-US" dirty="0"/>
           </a:p>
@@ -2146,7 +2146,7 @@
             <a:fld id="{B61BEF0D-F0BB-DE4B-95CE-6DB70DBA9567}" type="datetimeFigureOut">
               <a:rPr lang="en-US" dirty="0"/>
               <a:pPr/>
-              <a:t>11/28/2020</a:t>
+              <a:t>11/30/2020</a:t>
             </a:fld>
             <a:endParaRPr lang="en-US" dirty="0"/>
           </a:p>
@@ -2530,7 +2530,7 @@
             <a:fld id="{B61BEF0D-F0BB-DE4B-95CE-6DB70DBA9567}" type="datetimeFigureOut">
               <a:rPr lang="en-US" dirty="0"/>
               <a:pPr/>
-              <a:t>11/28/2020</a:t>
+              <a:t>11/30/2020</a:t>
             </a:fld>
             <a:endParaRPr lang="en-US" dirty="0"/>
           </a:p>
@@ -2696,7 +2696,7 @@
           <a:p>
             <a:fld id="{55C6B4A9-1611-4792-9094-5F34BCA07E0B}" type="datetimeFigureOut">
               <a:rPr lang="en-US" dirty="0"/>
-              <a:t>11/28/2020</a:t>
+              <a:t>11/30/2020</a:t>
             </a:fld>
             <a:endParaRPr lang="en-US" dirty="0"/>
           </a:p>
@@ -2872,7 +2872,7 @@
             <a:fld id="{B61BEF0D-F0BB-DE4B-95CE-6DB70DBA9567}" type="datetimeFigureOut">
               <a:rPr lang="en-US" dirty="0"/>
               <a:pPr/>
-              <a:t>11/28/2020</a:t>
+              <a:t>11/30/2020</a:t>
             </a:fld>
             <a:endParaRPr lang="en-US" dirty="0"/>
           </a:p>
@@ -3038,7 +3038,7 @@
           <a:p>
             <a:fld id="{42A54C80-263E-416B-A8E0-580EDEADCBDC}" type="datetimeFigureOut">
               <a:rPr lang="en-US" dirty="0"/>
-              <a:t>11/28/2020</a:t>
+              <a:t>11/30/2020</a:t>
             </a:fld>
             <a:endParaRPr lang="en-US" dirty="0"/>
           </a:p>
@@ -3283,7 +3283,7 @@
             <a:fld id="{B61BEF0D-F0BB-DE4B-95CE-6DB70DBA9567}" type="datetimeFigureOut">
               <a:rPr lang="en-US" dirty="0"/>
               <a:pPr/>
-              <a:t>11/28/2020</a:t>
+              <a:t>11/30/2020</a:t>
             </a:fld>
             <a:endParaRPr lang="en-US" dirty="0"/>
           </a:p>
@@ -3511,7 +3511,7 @@
           <a:p>
             <a:fld id="{42A54C80-263E-416B-A8E0-580EDEADCBDC}" type="datetimeFigureOut">
               <a:rPr lang="en-US" dirty="0"/>
-              <a:t>11/28/2020</a:t>
+              <a:t>11/30/2020</a:t>
             </a:fld>
             <a:endParaRPr lang="en-US" dirty="0"/>
           </a:p>
@@ -3881,7 +3881,7 @@
             <a:fld id="{B61BEF0D-F0BB-DE4B-95CE-6DB70DBA9567}" type="datetimeFigureOut">
               <a:rPr lang="en-US" dirty="0"/>
               <a:pPr/>
-              <a:t>11/28/2020</a:t>
+              <a:t>11/30/2020</a:t>
             </a:fld>
             <a:endParaRPr lang="en-US" dirty="0"/>
           </a:p>
@@ -4001,7 +4001,7 @@
             <a:fld id="{B61BEF0D-F0BB-DE4B-95CE-6DB70DBA9567}" type="datetimeFigureOut">
               <a:rPr lang="en-US" dirty="0"/>
               <a:pPr/>
-              <a:t>11/28/2020</a:t>
+              <a:t>11/30/2020</a:t>
             </a:fld>
             <a:endParaRPr lang="en-US" dirty="0"/>
           </a:p>
@@ -4093,7 +4093,7 @@
             <a:fld id="{B61BEF0D-F0BB-DE4B-95CE-6DB70DBA9567}" type="datetimeFigureOut">
               <a:rPr lang="en-US" dirty="0"/>
               <a:pPr/>
-              <a:t>11/28/2020</a:t>
+              <a:t>11/30/2020</a:t>
             </a:fld>
             <a:endParaRPr lang="en-US" dirty="0"/>
           </a:p>
@@ -4344,7 +4344,7 @@
           <a:p>
             <a:fld id="{42A54C80-263E-416B-A8E0-580EDEADCBDC}" type="datetimeFigureOut">
               <a:rPr lang="en-US" dirty="0"/>
-              <a:t>11/28/2020</a:t>
+              <a:t>11/30/2020</a:t>
             </a:fld>
             <a:endParaRPr lang="en-US" dirty="0"/>
           </a:p>
@@ -4603,7 +4603,7 @@
             <a:fld id="{B61BEF0D-F0BB-DE4B-95CE-6DB70DBA9567}" type="datetimeFigureOut">
               <a:rPr lang="en-US" dirty="0"/>
               <a:pPr/>
-              <a:t>11/28/2020</a:t>
+              <a:t>11/30/2020</a:t>
             </a:fld>
             <a:endParaRPr lang="en-US" dirty="0"/>
           </a:p>
@@ -4813,7 +4813,7 @@
             <a:fld id="{B61BEF0D-F0BB-DE4B-95CE-6DB70DBA9567}" type="datetimeFigureOut">
               <a:rPr lang="en-US" dirty="0"/>
               <a:pPr/>
-              <a:t>11/28/2020</a:t>
+              <a:t>11/30/2020</a:t>
             </a:fld>
             <a:endParaRPr lang="en-US" dirty="0"/>
           </a:p>
@@ -8366,7 +8366,7 @@
         <p:spPr bwMode="auto">
           <a:xfrm>
             <a:off x="1160438" y="2505670"/>
-            <a:ext cx="9494728" cy="923330"/>
+            <a:ext cx="9494728" cy="1200329"/>
           </a:xfrm>
           <a:prstGeom prst="rect">
             <a:avLst/>
@@ -8588,7 +8588,7 @@
                 </a:solidFill>
                 <a:latin typeface="Consolas" panose="020B0609020204030204" pitchFamily="49" charset="0"/>
               </a:rPr>
-              <a:t>$ cat id_rsa.pub &gt;&gt; </a:t>
+              <a:t># $ cat id_rsa.pub &gt;&gt; </a:t>
             </a:r>
             <a:r>
               <a:rPr lang="en-US" altLang="ko-KR" dirty="0" err="1">
@@ -8598,6 +8598,113 @@
                 <a:latin typeface="Consolas" panose="020B0609020204030204" pitchFamily="49" charset="0"/>
               </a:rPr>
               <a:t>authorized_keys</a:t>
+            </a:r>
+            <a:endParaRPr lang="en-US" altLang="ko-KR" dirty="0">
+              <a:solidFill>
+                <a:srgbClr val="000000"/>
+              </a:solidFill>
+              <a:latin typeface="Consolas" panose="020B0609020204030204" pitchFamily="49" charset="0"/>
+            </a:endParaRPr>
+          </a:p>
+          <a:p>
+            <a:r>
+              <a:rPr lang="en-US" altLang="ko-KR" dirty="0">
+                <a:solidFill>
+                  <a:srgbClr val="000000"/>
+                </a:solidFill>
+                <a:latin typeface="Consolas" panose="020B0609020204030204" pitchFamily="49" charset="0"/>
+              </a:rPr>
+              <a:t>$ </a:t>
+            </a:r>
+            <a:r>
+              <a:rPr lang="en-US" altLang="ko-KR" dirty="0" err="1">
+                <a:solidFill>
+                  <a:srgbClr val="000000"/>
+                </a:solidFill>
+                <a:latin typeface="Consolas" panose="020B0609020204030204" pitchFamily="49" charset="0"/>
+              </a:rPr>
+              <a:t>ssh</a:t>
+            </a:r>
+            <a:r>
+              <a:rPr lang="en-US" altLang="ko-KR" dirty="0">
+                <a:solidFill>
+                  <a:srgbClr val="000000"/>
+                </a:solidFill>
+                <a:latin typeface="Consolas" panose="020B0609020204030204" pitchFamily="49" charset="0"/>
+              </a:rPr>
+              <a:t>-copy-id</a:t>
+            </a:r>
+            <a:r>
+              <a:rPr lang="ko-KR" altLang="en-US" dirty="0">
+                <a:solidFill>
+                  <a:srgbClr val="000000"/>
+                </a:solidFill>
+                <a:latin typeface="Consolas" panose="020B0609020204030204" pitchFamily="49" charset="0"/>
+              </a:rPr>
+              <a:t> </a:t>
+            </a:r>
+            <a:r>
+              <a:rPr lang="en-US" altLang="ko-KR" dirty="0">
+                <a:solidFill>
+                  <a:srgbClr val="000000"/>
+                </a:solidFill>
+                <a:latin typeface="Consolas" panose="020B0609020204030204" pitchFamily="49" charset="0"/>
+              </a:rPr>
+              <a:t>–</a:t>
+            </a:r>
+            <a:r>
+              <a:rPr lang="en-US" altLang="ko-KR" dirty="0" err="1">
+                <a:solidFill>
+                  <a:srgbClr val="000000"/>
+                </a:solidFill>
+                <a:latin typeface="Consolas" panose="020B0609020204030204" pitchFamily="49" charset="0"/>
+              </a:rPr>
+              <a:t>i</a:t>
+            </a:r>
+            <a:r>
+              <a:rPr lang="en-US" altLang="ko-KR" dirty="0">
+                <a:solidFill>
+                  <a:srgbClr val="000000"/>
+                </a:solidFill>
+                <a:latin typeface="Consolas" panose="020B0609020204030204" pitchFamily="49" charset="0"/>
+              </a:rPr>
+              <a:t> /home/</a:t>
+            </a:r>
+            <a:r>
+              <a:rPr lang="en-US" altLang="ko-KR" dirty="0" err="1">
+                <a:solidFill>
+                  <a:srgbClr val="000000"/>
+                </a:solidFill>
+                <a:latin typeface="Consolas" panose="020B0609020204030204" pitchFamily="49" charset="0"/>
+              </a:rPr>
+              <a:t>hadoop</a:t>
+            </a:r>
+            <a:r>
+              <a:rPr lang="en-US" altLang="ko-KR" dirty="0">
+                <a:solidFill>
+                  <a:srgbClr val="000000"/>
+                </a:solidFill>
+                <a:latin typeface="Consolas" panose="020B0609020204030204" pitchFamily="49" charset="0"/>
+              </a:rPr>
+              <a:t>/.</a:t>
+            </a:r>
+            <a:r>
+              <a:rPr lang="en-US" altLang="ko-KR" dirty="0" err="1">
+                <a:solidFill>
+                  <a:srgbClr val="000000"/>
+                </a:solidFill>
+                <a:latin typeface="Consolas" panose="020B0609020204030204" pitchFamily="49" charset="0"/>
+              </a:rPr>
+              <a:t>ssh</a:t>
+            </a:r>
+            <a:r>
+              <a:rPr lang="en-US" altLang="ko-KR" dirty="0">
+                <a:solidFill>
+                  <a:srgbClr val="000000"/>
+                </a:solidFill>
+                <a:latin typeface="Consolas" panose="020B0609020204030204" pitchFamily="49" charset="0"/>
+              </a:rPr>
+              <a:t>/id_rsa.pub hadoop@192.168.56.100</a:t>
             </a:r>
             <a:endParaRPr lang="sv-SE" altLang="ko-KR" dirty="0">
               <a:solidFill>
